--- a/Project/小專題報告.pptx
+++ b/Project/小專題報告.pptx
@@ -3660,7 +3660,7 @@
         </p:nvSpPr>
         <p:spPr>
           <a:xfrm>
-            <a:off x="467544" y="548680"/>
+            <a:off x="4211960" y="2060848"/>
             <a:ext cx="4248472" cy="864096"/>
           </a:xfrm>
         </p:spPr>
@@ -3677,29 +3677,8 @@
                   <a:srgbClr val="00B0F0"/>
                 </a:solidFill>
               </a:rPr>
-              <a:t>解除</a:t>
-            </a:r>
-            <a:r>
-              <a:rPr lang="zh-TW" altLang="en-US" sz="4400" dirty="0" smtClean="0">
-                <a:solidFill>
-                  <a:srgbClr val="00B0F0"/>
-                </a:solidFill>
-              </a:rPr>
-              <a:t>顏色</a:t>
-            </a:r>
-            <a:r>
-              <a:rPr lang="zh-TW" altLang="en-US" sz="4400" dirty="0" smtClean="0">
-                <a:solidFill>
-                  <a:srgbClr val="00B0F0"/>
-                </a:solidFill>
-              </a:rPr>
-              <a:t>牢籠</a:t>
-            </a:r>
-            <a:endParaRPr lang="zh-TW" altLang="en-US" sz="4400" dirty="0" smtClean="0">
-              <a:solidFill>
-                <a:srgbClr val="00B0F0"/>
-              </a:solidFill>
-            </a:endParaRPr>
+              <a:t>解除顏色牢籠</a:t>
+            </a:r>
           </a:p>
         </p:txBody>
       </p:sp>
@@ -3728,11 +3707,15 @@
             <a:pPr algn="l"/>
             <a:r>
               <a:rPr lang="zh-TW" altLang="en-US" sz="3600" dirty="0" smtClean="0"/>
-              <a:t>指導老師：許雅婷、</a:t>
-            </a:r>
+              <a:t>指導老師：許雅婷、錢達智</a:t>
+            </a:r>
+            <a:endParaRPr lang="en-US" altLang="zh-TW" sz="3600" dirty="0" smtClean="0"/>
+          </a:p>
+          <a:p>
+            <a:pPr algn="l"/>
             <a:r>
               <a:rPr lang="zh-TW" altLang="en-US" sz="3600" dirty="0" smtClean="0"/>
-              <a:t>錢達智</a:t>
+              <a:t>助教：黃宗民</a:t>
             </a:r>
             <a:endParaRPr lang="en-US" altLang="zh-TW" sz="3600" dirty="0" smtClean="0"/>
           </a:p>
@@ -3740,28 +3723,64 @@
             <a:pPr algn="l"/>
             <a:r>
               <a:rPr lang="zh-TW" altLang="en-US" sz="3600" dirty="0" smtClean="0"/>
-              <a:t>助教：</a:t>
-            </a:r>
-            <a:r>
-              <a:rPr lang="zh-TW" altLang="en-US" sz="3600" dirty="0" smtClean="0"/>
-              <a:t>黃宗民</a:t>
+              <a:t>製作者：朱冠齊</a:t>
             </a:r>
             <a:endParaRPr lang="en-US" altLang="zh-TW" sz="3600" dirty="0" smtClean="0"/>
           </a:p>
           <a:p>
-            <a:pPr algn="l"/>
-            <a:r>
-              <a:rPr lang="zh-TW" altLang="en-US" sz="3600" dirty="0" smtClean="0"/>
-              <a:t>製作者</a:t>
-            </a:r>
-            <a:r>
-              <a:rPr lang="zh-TW" altLang="en-US" sz="3600" dirty="0" smtClean="0"/>
-              <a:t>：朱冠齊</a:t>
-            </a:r>
             <a:endParaRPr lang="en-US" altLang="zh-TW" sz="3600" dirty="0" smtClean="0"/>
           </a:p>
-          <a:p>
-            <a:endParaRPr lang="en-US" altLang="zh-TW" sz="3600" dirty="0" smtClean="0"/>
+        </p:txBody>
+      </p:sp>
+      <p:sp>
+        <p:nvSpPr>
+          <p:cNvPr id="4" name="文字方塊 3"/>
+          <p:cNvSpPr txBox="1"/>
+          <p:nvPr/>
+        </p:nvSpPr>
+        <p:spPr>
+          <a:xfrm>
+            <a:off x="251520" y="692696"/>
+            <a:ext cx="3647152" cy="923330"/>
+          </a:xfrm>
+          <a:prstGeom prst="rect">
+            <a:avLst/>
+          </a:prstGeom>
+          <a:noFill/>
+        </p:spPr>
+        <p:txBody>
+          <a:bodyPr wrap="none" rtlCol="0">
+            <a:spAutoFit/>
+          </a:bodyPr>
+          <a:lstStyle/>
+          <a:p>
+            <a:r>
+              <a:rPr lang="zh-TW" altLang="en-US" sz="5400" b="1" dirty="0" smtClean="0">
+                <a:solidFill>
+                  <a:srgbClr val="7030A0"/>
+                </a:solidFill>
+                <a:effectLst>
+                  <a:outerShdw blurRad="38100" dist="38100" dir="2700000" algn="tl">
+                    <a:srgbClr val="000000">
+                      <a:alpha val="43137"/>
+                    </a:srgbClr>
+                  </a:outerShdw>
+                </a:effectLst>
+              </a:rPr>
+              <a:t>前端專題：</a:t>
+            </a:r>
+            <a:endParaRPr lang="zh-TW" altLang="en-US" sz="5400" b="1" dirty="0">
+              <a:solidFill>
+                <a:srgbClr val="7030A0"/>
+              </a:solidFill>
+              <a:effectLst>
+                <a:outerShdw blurRad="38100" dist="38100" dir="2700000" algn="tl">
+                  <a:srgbClr val="000000">
+                    <a:alpha val="43137"/>
+                  </a:srgbClr>
+                </a:outerShdw>
+              </a:effectLst>
+            </a:endParaRPr>
           </a:p>
         </p:txBody>
       </p:sp>
@@ -3807,7 +3826,12 @@
             <p:ph type="title"/>
           </p:nvPr>
         </p:nvSpPr>
-        <p:spPr/>
+        <p:spPr>
+          <a:xfrm>
+            <a:off x="467544" y="1268760"/>
+            <a:ext cx="3200400" cy="730250"/>
+          </a:xfrm>
+        </p:spPr>
         <p:txBody>
           <a:bodyPr>
             <a:normAutofit/>
@@ -3913,8 +3937,16 @@
                   </a:schemeClr>
                 </a:solidFill>
               </a:rPr>
-              <a:t>Canvas</a:t>
-            </a:r>
+              <a:t>HTML5</a:t>
+            </a:r>
+            <a:endParaRPr lang="en-US" altLang="zh-TW" dirty="0" smtClean="0">
+              <a:solidFill>
+                <a:schemeClr val="accent2">
+                  <a:lumMod val="40000"/>
+                  <a:lumOff val="60000"/>
+                </a:schemeClr>
+              </a:solidFill>
+            </a:endParaRPr>
           </a:p>
           <a:p>
             <a:r>
@@ -3926,8 +3958,16 @@
                   </a:schemeClr>
                 </a:solidFill>
               </a:rPr>
-              <a:t>HTML5</a:t>
-            </a:r>
+              <a:t>Canvas</a:t>
+            </a:r>
+            <a:endParaRPr lang="en-US" altLang="zh-TW" dirty="0" smtClean="0">
+              <a:solidFill>
+                <a:schemeClr val="accent2">
+                  <a:lumMod val="40000"/>
+                  <a:lumOff val="60000"/>
+                </a:schemeClr>
+              </a:solidFill>
+            </a:endParaRPr>
           </a:p>
           <a:p>
             <a:r>
@@ -3975,14 +4015,6 @@
               </a:rPr>
               <a:t>boostrap4</a:t>
             </a:r>
-            <a:endParaRPr lang="en-US" altLang="zh-TW" dirty="0" smtClean="0">
-              <a:solidFill>
-                <a:schemeClr val="accent2">
-                  <a:lumMod val="40000"/>
-                  <a:lumOff val="60000"/>
-                </a:schemeClr>
-              </a:solidFill>
-            </a:endParaRPr>
           </a:p>
           <a:p>
             <a:endParaRPr lang="zh-TW" altLang="en-US" dirty="0"/>
@@ -4337,7 +4369,7 @@
       </p:sp>
       <p:pic>
         <p:nvPicPr>
-          <p:cNvPr id="3074" name="Picture 2"/>
+          <p:cNvPr id="1028" name="Picture 4"/>
           <p:cNvPicPr>
             <a:picLocks noChangeAspect="1" noChangeArrowheads="1"/>
           </p:cNvPicPr>
@@ -4352,8 +4384,8 @@
         </p:blipFill>
         <p:spPr bwMode="auto">
           <a:xfrm>
-            <a:off x="323527" y="1700808"/>
-            <a:ext cx="3943515" cy="3960440"/>
+            <a:off x="179512" y="1412776"/>
+            <a:ext cx="4387850" cy="4959350"/>
           </a:xfrm>
           <a:prstGeom prst="rect">
             <a:avLst/>
@@ -4369,45 +4401,229 @@
       </p:pic>
       <p:sp>
         <p:nvSpPr>
-          <p:cNvPr id="8" name="文字方塊 7"/>
-          <p:cNvSpPr txBox="1"/>
+          <p:cNvPr id="11" name="手繪多邊形 10"/>
+          <p:cNvSpPr/>
           <p:nvPr/>
         </p:nvSpPr>
         <p:spPr>
           <a:xfrm>
-            <a:off x="4499992" y="2420888"/>
-            <a:ext cx="4339650" cy="1754326"/>
+            <a:off x="611560" y="2276872"/>
+            <a:ext cx="864704" cy="874644"/>
+          </a:xfrm>
+          <a:custGeom>
+            <a:avLst/>
+            <a:gdLst>
+              <a:gd name="connsiteX0" fmla="*/ 0 w 864704"/>
+              <a:gd name="connsiteY0" fmla="*/ 516835 h 874644"/>
+              <a:gd name="connsiteX1" fmla="*/ 258417 w 864704"/>
+              <a:gd name="connsiteY1" fmla="*/ 874644 h 874644"/>
+              <a:gd name="connsiteX2" fmla="*/ 864704 w 864704"/>
+              <a:gd name="connsiteY2" fmla="*/ 69574 h 874644"/>
+              <a:gd name="connsiteX3" fmla="*/ 785191 w 864704"/>
+              <a:gd name="connsiteY3" fmla="*/ 0 h 874644"/>
+              <a:gd name="connsiteX4" fmla="*/ 327991 w 864704"/>
+              <a:gd name="connsiteY4" fmla="*/ 606287 h 874644"/>
+              <a:gd name="connsiteX5" fmla="*/ 218660 w 864704"/>
+              <a:gd name="connsiteY5" fmla="*/ 427383 h 874644"/>
+              <a:gd name="connsiteX6" fmla="*/ 0 w 864704"/>
+              <a:gd name="connsiteY6" fmla="*/ 516835 h 874644"/>
+            </a:gdLst>
+            <a:ahLst/>
+            <a:cxnLst>
+              <a:cxn ang="0">
+                <a:pos x="connsiteX0" y="connsiteY0"/>
+              </a:cxn>
+              <a:cxn ang="0">
+                <a:pos x="connsiteX1" y="connsiteY1"/>
+              </a:cxn>
+              <a:cxn ang="0">
+                <a:pos x="connsiteX2" y="connsiteY2"/>
+              </a:cxn>
+              <a:cxn ang="0">
+                <a:pos x="connsiteX3" y="connsiteY3"/>
+              </a:cxn>
+              <a:cxn ang="0">
+                <a:pos x="connsiteX4" y="connsiteY4"/>
+              </a:cxn>
+              <a:cxn ang="0">
+                <a:pos x="connsiteX5" y="connsiteY5"/>
+              </a:cxn>
+              <a:cxn ang="0">
+                <a:pos x="connsiteX6" y="connsiteY6"/>
+              </a:cxn>
+            </a:cxnLst>
+            <a:rect l="l" t="t" r="r" b="b"/>
+            <a:pathLst>
+              <a:path w="864704" h="874644">
+                <a:moveTo>
+                  <a:pt x="0" y="516835"/>
+                </a:moveTo>
+                <a:lnTo>
+                  <a:pt x="258417" y="874644"/>
+                </a:lnTo>
+                <a:lnTo>
+                  <a:pt x="864704" y="69574"/>
+                </a:lnTo>
+                <a:lnTo>
+                  <a:pt x="785191" y="0"/>
+                </a:lnTo>
+                <a:lnTo>
+                  <a:pt x="327991" y="606287"/>
+                </a:lnTo>
+                <a:lnTo>
+                  <a:pt x="218660" y="427383"/>
+                </a:lnTo>
+                <a:lnTo>
+                  <a:pt x="0" y="516835"/>
+                </a:lnTo>
+                <a:close/>
+              </a:path>
+            </a:pathLst>
+          </a:custGeom>
+          <a:solidFill>
+            <a:srgbClr val="FF0000"/>
+          </a:solidFill>
+        </p:spPr>
+        <p:style>
+          <a:lnRef idx="2">
+            <a:schemeClr val="accent1">
+              <a:shade val="50000"/>
+            </a:schemeClr>
+          </a:lnRef>
+          <a:fillRef idx="1">
+            <a:schemeClr val="accent1"/>
+          </a:fillRef>
+          <a:effectRef idx="0">
+            <a:schemeClr val="accent1"/>
+          </a:effectRef>
+          <a:fontRef idx="minor">
+            <a:schemeClr val="lt1"/>
+          </a:fontRef>
+        </p:style>
+        <p:txBody>
+          <a:bodyPr rtlCol="0" anchor="ctr"/>
+          <a:lstStyle/>
+          <a:p>
+            <a:pPr algn="ctr"/>
+            <a:endParaRPr lang="zh-TW" altLang="en-US"/>
+          </a:p>
+        </p:txBody>
+      </p:sp>
+      <p:pic>
+        <p:nvPicPr>
+          <p:cNvPr id="1029" name="Picture 5"/>
+          <p:cNvPicPr>
+            <a:picLocks noChangeAspect="1" noChangeArrowheads="1"/>
+          </p:cNvPicPr>
+          <p:nvPr/>
+        </p:nvPicPr>
+        <p:blipFill>
+          <a:blip r:embed="rId3" cstate="print"/>
+          <a:srcRect/>
+          <a:stretch>
+            <a:fillRect/>
+          </a:stretch>
+        </p:blipFill>
+        <p:spPr bwMode="auto">
+          <a:xfrm>
+            <a:off x="4644008" y="1412776"/>
+            <a:ext cx="4356100" cy="4933950"/>
           </a:xfrm>
           <a:prstGeom prst="rect">
             <a:avLst/>
           </a:prstGeom>
           <a:noFill/>
-        </p:spPr>
-        <p:txBody>
-          <a:bodyPr wrap="square" rtlCol="0">
-            <a:spAutoFit/>
-          </a:bodyPr>
-          <a:lstStyle/>
-          <a:p>
-            <a:r>
-              <a:rPr lang="zh-TW" altLang="en-US" sz="3600" dirty="0" smtClean="0"/>
-              <a:t>當點擊左上方格後，</a:t>
-            </a:r>
-            <a:endParaRPr lang="en-US" altLang="zh-TW" sz="3600" dirty="0" smtClean="0"/>
-          </a:p>
-          <a:p>
-            <a:r>
-              <a:rPr lang="zh-TW" altLang="en-US" sz="3600" dirty="0" smtClean="0"/>
-              <a:t>他本身及其周圍的兩</a:t>
-            </a:r>
-            <a:endParaRPr lang="en-US" altLang="zh-TW" sz="3600" dirty="0" smtClean="0"/>
-          </a:p>
-          <a:p>
-            <a:r>
-              <a:rPr lang="zh-TW" altLang="en-US" sz="3600" dirty="0" smtClean="0"/>
-              <a:t>個方格顏色一同消失</a:t>
-            </a:r>
-            <a:endParaRPr lang="en-US" altLang="zh-TW" sz="3600" dirty="0" smtClean="0"/>
+          <a:ln w="9525">
+            <a:noFill/>
+            <a:miter lim="800000"/>
+            <a:headEnd/>
+            <a:tailEnd/>
+          </a:ln>
+        </p:spPr>
+      </p:pic>
+      <p:sp>
+        <p:nvSpPr>
+          <p:cNvPr id="12" name="向下箭號 11"/>
+          <p:cNvSpPr/>
+          <p:nvPr/>
+        </p:nvSpPr>
+        <p:spPr>
+          <a:xfrm>
+            <a:off x="6516216" y="1844824"/>
+            <a:ext cx="576064" cy="864096"/>
+          </a:xfrm>
+          <a:prstGeom prst="downArrow">
+            <a:avLst/>
+          </a:prstGeom>
+          <a:solidFill>
+            <a:schemeClr val="tx1"/>
+          </a:solidFill>
+        </p:spPr>
+        <p:style>
+          <a:lnRef idx="2">
+            <a:schemeClr val="accent1">
+              <a:shade val="50000"/>
+            </a:schemeClr>
+          </a:lnRef>
+          <a:fillRef idx="1">
+            <a:schemeClr val="accent1"/>
+          </a:fillRef>
+          <a:effectRef idx="0">
+            <a:schemeClr val="accent1"/>
+          </a:effectRef>
+          <a:fontRef idx="minor">
+            <a:schemeClr val="lt1"/>
+          </a:fontRef>
+        </p:style>
+        <p:txBody>
+          <a:bodyPr rtlCol="0" anchor="ctr"/>
+          <a:lstStyle/>
+          <a:p>
+            <a:pPr algn="ctr"/>
+            <a:endParaRPr lang="zh-TW" altLang="en-US"/>
+          </a:p>
+        </p:txBody>
+      </p:sp>
+      <p:sp>
+        <p:nvSpPr>
+          <p:cNvPr id="13" name="向右箭號 12"/>
+          <p:cNvSpPr/>
+          <p:nvPr/>
+        </p:nvSpPr>
+        <p:spPr>
+          <a:xfrm>
+            <a:off x="4572000" y="3933056"/>
+            <a:ext cx="720080" cy="504056"/>
+          </a:xfrm>
+          <a:prstGeom prst="rightArrow">
+            <a:avLst/>
+          </a:prstGeom>
+          <a:solidFill>
+            <a:schemeClr val="tx1"/>
+          </a:solidFill>
+        </p:spPr>
+        <p:style>
+          <a:lnRef idx="2">
+            <a:schemeClr val="accent1">
+              <a:shade val="50000"/>
+            </a:schemeClr>
+          </a:lnRef>
+          <a:fillRef idx="1">
+            <a:schemeClr val="accent1"/>
+          </a:fillRef>
+          <a:effectRef idx="0">
+            <a:schemeClr val="accent1"/>
+          </a:effectRef>
+          <a:fontRef idx="minor">
+            <a:schemeClr val="lt1"/>
+          </a:fontRef>
+        </p:style>
+        <p:txBody>
+          <a:bodyPr rtlCol="0" anchor="ctr"/>
+          <a:lstStyle/>
+          <a:p>
+            <a:pPr algn="ctr"/>
+            <a:endParaRPr lang="zh-TW" altLang="en-US"/>
           </a:p>
         </p:txBody>
       </p:sp>
@@ -4416,6 +4632,7 @@
   <p:clrMapOvr>
     <a:masterClrMapping/>
   </p:clrMapOvr>
+  <p:transition/>
   <p:timing>
     <p:tnLst>
       <p:par>
@@ -4493,61 +4710,9 @@
           </a:p>
         </p:txBody>
       </p:sp>
-      <p:sp>
-        <p:nvSpPr>
-          <p:cNvPr id="8" name="文字方塊 7"/>
-          <p:cNvSpPr txBox="1"/>
-          <p:nvPr/>
-        </p:nvSpPr>
-        <p:spPr>
-          <a:xfrm>
-            <a:off x="4499992" y="2564904"/>
-            <a:ext cx="4519186" cy="1754326"/>
-          </a:xfrm>
-          <a:prstGeom prst="rect">
-            <a:avLst/>
-          </a:prstGeom>
-          <a:noFill/>
-        </p:spPr>
-        <p:txBody>
-          <a:bodyPr wrap="none" rtlCol="0">
-            <a:spAutoFit/>
-          </a:bodyPr>
-          <a:lstStyle/>
-          <a:p>
-            <a:r>
-              <a:rPr lang="zh-TW" altLang="en-US" sz="3600" dirty="0" smtClean="0"/>
-              <a:t>當點擊中間方格，</a:t>
-            </a:r>
-            <a:endParaRPr lang="en-US" altLang="zh-TW" sz="3600" dirty="0" smtClean="0"/>
-          </a:p>
-          <a:p>
-            <a:r>
-              <a:rPr lang="en-US" altLang="zh-TW" sz="3600" dirty="0" smtClean="0"/>
-              <a:t>1,2</a:t>
-            </a:r>
-            <a:r>
-              <a:rPr lang="zh-TW" altLang="en-US" sz="3600" dirty="0" smtClean="0"/>
-              <a:t>無色部分恢復藍色</a:t>
-            </a:r>
-            <a:endParaRPr lang="en-US" altLang="zh-TW" sz="3600" dirty="0" smtClean="0"/>
-          </a:p>
-          <a:p>
-            <a:r>
-              <a:rPr lang="en-US" altLang="zh-TW" sz="3600" dirty="0" smtClean="0"/>
-              <a:t>3,4,5</a:t>
-            </a:r>
-            <a:r>
-              <a:rPr lang="zh-TW" altLang="en-US" sz="3600" dirty="0" smtClean="0"/>
-              <a:t>顏色消失</a:t>
-            </a:r>
-            <a:endParaRPr lang="en-US" altLang="zh-TW" sz="3600" dirty="0" smtClean="0"/>
-          </a:p>
-        </p:txBody>
-      </p:sp>
       <p:pic>
         <p:nvPicPr>
-          <p:cNvPr id="4098" name="Picture 2"/>
+          <p:cNvPr id="7" name="Picture 5"/>
           <p:cNvPicPr>
             <a:picLocks noChangeAspect="1" noChangeArrowheads="1"/>
           </p:cNvPicPr>
@@ -4562,8 +4727,8 @@
         </p:blipFill>
         <p:spPr bwMode="auto">
           <a:xfrm>
-            <a:off x="179512" y="1628800"/>
-            <a:ext cx="4248472" cy="4254665"/>
+            <a:off x="107504" y="1484784"/>
+            <a:ext cx="4356100" cy="4933950"/>
           </a:xfrm>
           <a:prstGeom prst="rect">
             <a:avLst/>
@@ -4577,6 +4742,430 @@
           </a:ln>
         </p:spPr>
       </p:pic>
+      <p:sp>
+        <p:nvSpPr>
+          <p:cNvPr id="9" name="手繪多邊形 8"/>
+          <p:cNvSpPr/>
+          <p:nvPr/>
+        </p:nvSpPr>
+        <p:spPr>
+          <a:xfrm>
+            <a:off x="1835696" y="3789040"/>
+            <a:ext cx="864704" cy="874644"/>
+          </a:xfrm>
+          <a:custGeom>
+            <a:avLst/>
+            <a:gdLst>
+              <a:gd name="connsiteX0" fmla="*/ 0 w 864704"/>
+              <a:gd name="connsiteY0" fmla="*/ 516835 h 874644"/>
+              <a:gd name="connsiteX1" fmla="*/ 258417 w 864704"/>
+              <a:gd name="connsiteY1" fmla="*/ 874644 h 874644"/>
+              <a:gd name="connsiteX2" fmla="*/ 864704 w 864704"/>
+              <a:gd name="connsiteY2" fmla="*/ 69574 h 874644"/>
+              <a:gd name="connsiteX3" fmla="*/ 785191 w 864704"/>
+              <a:gd name="connsiteY3" fmla="*/ 0 h 874644"/>
+              <a:gd name="connsiteX4" fmla="*/ 327991 w 864704"/>
+              <a:gd name="connsiteY4" fmla="*/ 606287 h 874644"/>
+              <a:gd name="connsiteX5" fmla="*/ 218660 w 864704"/>
+              <a:gd name="connsiteY5" fmla="*/ 427383 h 874644"/>
+              <a:gd name="connsiteX6" fmla="*/ 0 w 864704"/>
+              <a:gd name="connsiteY6" fmla="*/ 516835 h 874644"/>
+            </a:gdLst>
+            <a:ahLst/>
+            <a:cxnLst>
+              <a:cxn ang="0">
+                <a:pos x="connsiteX0" y="connsiteY0"/>
+              </a:cxn>
+              <a:cxn ang="0">
+                <a:pos x="connsiteX1" y="connsiteY1"/>
+              </a:cxn>
+              <a:cxn ang="0">
+                <a:pos x="connsiteX2" y="connsiteY2"/>
+              </a:cxn>
+              <a:cxn ang="0">
+                <a:pos x="connsiteX3" y="connsiteY3"/>
+              </a:cxn>
+              <a:cxn ang="0">
+                <a:pos x="connsiteX4" y="connsiteY4"/>
+              </a:cxn>
+              <a:cxn ang="0">
+                <a:pos x="connsiteX5" y="connsiteY5"/>
+              </a:cxn>
+              <a:cxn ang="0">
+                <a:pos x="connsiteX6" y="connsiteY6"/>
+              </a:cxn>
+            </a:cxnLst>
+            <a:rect l="l" t="t" r="r" b="b"/>
+            <a:pathLst>
+              <a:path w="864704" h="874644">
+                <a:moveTo>
+                  <a:pt x="0" y="516835"/>
+                </a:moveTo>
+                <a:lnTo>
+                  <a:pt x="258417" y="874644"/>
+                </a:lnTo>
+                <a:lnTo>
+                  <a:pt x="864704" y="69574"/>
+                </a:lnTo>
+                <a:lnTo>
+                  <a:pt x="785191" y="0"/>
+                </a:lnTo>
+                <a:lnTo>
+                  <a:pt x="327991" y="606287"/>
+                </a:lnTo>
+                <a:lnTo>
+                  <a:pt x="218660" y="427383"/>
+                </a:lnTo>
+                <a:lnTo>
+                  <a:pt x="0" y="516835"/>
+                </a:lnTo>
+                <a:close/>
+              </a:path>
+            </a:pathLst>
+          </a:custGeom>
+          <a:solidFill>
+            <a:srgbClr val="FF0000"/>
+          </a:solidFill>
+        </p:spPr>
+        <p:style>
+          <a:lnRef idx="2">
+            <a:schemeClr val="accent1">
+              <a:shade val="50000"/>
+            </a:schemeClr>
+          </a:lnRef>
+          <a:fillRef idx="1">
+            <a:schemeClr val="accent1"/>
+          </a:fillRef>
+          <a:effectRef idx="0">
+            <a:schemeClr val="accent1"/>
+          </a:effectRef>
+          <a:fontRef idx="minor">
+            <a:schemeClr val="lt1"/>
+          </a:fontRef>
+        </p:style>
+        <p:txBody>
+          <a:bodyPr rtlCol="0" anchor="ctr"/>
+          <a:lstStyle/>
+          <a:p>
+            <a:pPr algn="ctr"/>
+            <a:endParaRPr lang="zh-TW" altLang="en-US"/>
+          </a:p>
+        </p:txBody>
+      </p:sp>
+      <p:pic>
+        <p:nvPicPr>
+          <p:cNvPr id="2052" name="Picture 4"/>
+          <p:cNvPicPr>
+            <a:picLocks noChangeAspect="1" noChangeArrowheads="1"/>
+          </p:cNvPicPr>
+          <p:nvPr/>
+        </p:nvPicPr>
+        <p:blipFill>
+          <a:blip r:embed="rId3" cstate="print"/>
+          <a:srcRect/>
+          <a:stretch>
+            <a:fillRect/>
+          </a:stretch>
+        </p:blipFill>
+        <p:spPr bwMode="auto">
+          <a:xfrm>
+            <a:off x="4644008" y="1484784"/>
+            <a:ext cx="4375150" cy="4927600"/>
+          </a:xfrm>
+          <a:prstGeom prst="rect">
+            <a:avLst/>
+          </a:prstGeom>
+          <a:noFill/>
+          <a:ln w="9525">
+            <a:noFill/>
+            <a:miter lim="800000"/>
+            <a:headEnd/>
+            <a:tailEnd/>
+          </a:ln>
+        </p:spPr>
+      </p:pic>
+      <p:sp>
+        <p:nvSpPr>
+          <p:cNvPr id="10" name="向左箭號 9"/>
+          <p:cNvSpPr/>
+          <p:nvPr/>
+        </p:nvSpPr>
+        <p:spPr>
+          <a:xfrm>
+            <a:off x="8244408" y="3933056"/>
+            <a:ext cx="792088" cy="504056"/>
+          </a:xfrm>
+          <a:prstGeom prst="leftArrow">
+            <a:avLst/>
+          </a:prstGeom>
+          <a:solidFill>
+            <a:schemeClr val="tx1"/>
+          </a:solidFill>
+        </p:spPr>
+        <p:style>
+          <a:lnRef idx="2">
+            <a:schemeClr val="accent1">
+              <a:shade val="50000"/>
+            </a:schemeClr>
+          </a:lnRef>
+          <a:fillRef idx="1">
+            <a:schemeClr val="accent1"/>
+          </a:fillRef>
+          <a:effectRef idx="0">
+            <a:schemeClr val="accent1"/>
+          </a:effectRef>
+          <a:fontRef idx="minor">
+            <a:schemeClr val="lt1"/>
+          </a:fontRef>
+        </p:style>
+        <p:txBody>
+          <a:bodyPr rtlCol="0" anchor="ctr"/>
+          <a:lstStyle/>
+          <a:p>
+            <a:pPr algn="ctr"/>
+            <a:endParaRPr lang="zh-TW" altLang="en-US"/>
+          </a:p>
+        </p:txBody>
+      </p:sp>
+      <p:sp>
+        <p:nvSpPr>
+          <p:cNvPr id="11" name="向上箭號 10"/>
+          <p:cNvSpPr/>
+          <p:nvPr/>
+        </p:nvSpPr>
+        <p:spPr>
+          <a:xfrm>
+            <a:off x="6588224" y="5805264"/>
+            <a:ext cx="432048" cy="720080"/>
+          </a:xfrm>
+          <a:prstGeom prst="upArrow">
+            <a:avLst/>
+          </a:prstGeom>
+          <a:solidFill>
+            <a:schemeClr val="tx1"/>
+          </a:solidFill>
+        </p:spPr>
+        <p:style>
+          <a:lnRef idx="2">
+            <a:schemeClr val="accent1">
+              <a:shade val="50000"/>
+            </a:schemeClr>
+          </a:lnRef>
+          <a:fillRef idx="1">
+            <a:schemeClr val="accent1"/>
+          </a:fillRef>
+          <a:effectRef idx="0">
+            <a:schemeClr val="accent1"/>
+          </a:effectRef>
+          <a:fontRef idx="minor">
+            <a:schemeClr val="lt1"/>
+          </a:fontRef>
+        </p:style>
+        <p:txBody>
+          <a:bodyPr rtlCol="0" anchor="ctr"/>
+          <a:lstStyle/>
+          <a:p>
+            <a:pPr algn="ctr"/>
+            <a:endParaRPr lang="zh-TW" altLang="en-US"/>
+          </a:p>
+        </p:txBody>
+      </p:sp>
+      <p:sp>
+        <p:nvSpPr>
+          <p:cNvPr id="12" name="向下箭號 11"/>
+          <p:cNvSpPr/>
+          <p:nvPr/>
+        </p:nvSpPr>
+        <p:spPr>
+          <a:xfrm>
+            <a:off x="6516216" y="1844824"/>
+            <a:ext cx="576064" cy="864096"/>
+          </a:xfrm>
+          <a:prstGeom prst="downArrow">
+            <a:avLst/>
+          </a:prstGeom>
+          <a:solidFill>
+            <a:schemeClr val="bg1"/>
+          </a:solidFill>
+        </p:spPr>
+        <p:style>
+          <a:lnRef idx="2">
+            <a:schemeClr val="accent1">
+              <a:shade val="50000"/>
+            </a:schemeClr>
+          </a:lnRef>
+          <a:fillRef idx="1">
+            <a:schemeClr val="accent1"/>
+          </a:fillRef>
+          <a:effectRef idx="0">
+            <a:schemeClr val="accent1"/>
+          </a:effectRef>
+          <a:fontRef idx="minor">
+            <a:schemeClr val="lt1"/>
+          </a:fontRef>
+        </p:style>
+        <p:txBody>
+          <a:bodyPr rtlCol="0" anchor="ctr"/>
+          <a:lstStyle/>
+          <a:p>
+            <a:pPr algn="ctr"/>
+            <a:endParaRPr lang="zh-TW" altLang="en-US"/>
+          </a:p>
+        </p:txBody>
+      </p:sp>
+      <p:sp>
+        <p:nvSpPr>
+          <p:cNvPr id="13" name="向右箭號 12"/>
+          <p:cNvSpPr/>
+          <p:nvPr/>
+        </p:nvSpPr>
+        <p:spPr>
+          <a:xfrm>
+            <a:off x="4572000" y="3933056"/>
+            <a:ext cx="720080" cy="504056"/>
+          </a:xfrm>
+          <a:prstGeom prst="rightArrow">
+            <a:avLst/>
+          </a:prstGeom>
+          <a:solidFill>
+            <a:schemeClr val="bg1"/>
+          </a:solidFill>
+        </p:spPr>
+        <p:style>
+          <a:lnRef idx="2">
+            <a:schemeClr val="accent1">
+              <a:shade val="50000"/>
+            </a:schemeClr>
+          </a:lnRef>
+          <a:fillRef idx="1">
+            <a:schemeClr val="accent1"/>
+          </a:fillRef>
+          <a:effectRef idx="0">
+            <a:schemeClr val="accent1"/>
+          </a:effectRef>
+          <a:fontRef idx="minor">
+            <a:schemeClr val="lt1"/>
+          </a:fontRef>
+        </p:style>
+        <p:txBody>
+          <a:bodyPr rtlCol="0" anchor="ctr"/>
+          <a:lstStyle/>
+          <a:p>
+            <a:pPr algn="ctr"/>
+            <a:endParaRPr lang="zh-TW" altLang="en-US"/>
+          </a:p>
+        </p:txBody>
+      </p:sp>
+      <p:sp>
+        <p:nvSpPr>
+          <p:cNvPr id="14" name="手繪多邊形 13"/>
+          <p:cNvSpPr/>
+          <p:nvPr/>
+        </p:nvSpPr>
+        <p:spPr>
+          <a:xfrm>
+            <a:off x="6156176" y="3501008"/>
+            <a:ext cx="720080" cy="648072"/>
+          </a:xfrm>
+          <a:custGeom>
+            <a:avLst/>
+            <a:gdLst>
+              <a:gd name="connsiteX0" fmla="*/ 0 w 864704"/>
+              <a:gd name="connsiteY0" fmla="*/ 516835 h 874644"/>
+              <a:gd name="connsiteX1" fmla="*/ 258417 w 864704"/>
+              <a:gd name="connsiteY1" fmla="*/ 874644 h 874644"/>
+              <a:gd name="connsiteX2" fmla="*/ 864704 w 864704"/>
+              <a:gd name="connsiteY2" fmla="*/ 69574 h 874644"/>
+              <a:gd name="connsiteX3" fmla="*/ 785191 w 864704"/>
+              <a:gd name="connsiteY3" fmla="*/ 0 h 874644"/>
+              <a:gd name="connsiteX4" fmla="*/ 327991 w 864704"/>
+              <a:gd name="connsiteY4" fmla="*/ 606287 h 874644"/>
+              <a:gd name="connsiteX5" fmla="*/ 218660 w 864704"/>
+              <a:gd name="connsiteY5" fmla="*/ 427383 h 874644"/>
+              <a:gd name="connsiteX6" fmla="*/ 0 w 864704"/>
+              <a:gd name="connsiteY6" fmla="*/ 516835 h 874644"/>
+            </a:gdLst>
+            <a:ahLst/>
+            <a:cxnLst>
+              <a:cxn ang="0">
+                <a:pos x="connsiteX0" y="connsiteY0"/>
+              </a:cxn>
+              <a:cxn ang="0">
+                <a:pos x="connsiteX1" y="connsiteY1"/>
+              </a:cxn>
+              <a:cxn ang="0">
+                <a:pos x="connsiteX2" y="connsiteY2"/>
+              </a:cxn>
+              <a:cxn ang="0">
+                <a:pos x="connsiteX3" y="connsiteY3"/>
+              </a:cxn>
+              <a:cxn ang="0">
+                <a:pos x="connsiteX4" y="connsiteY4"/>
+              </a:cxn>
+              <a:cxn ang="0">
+                <a:pos x="connsiteX5" y="connsiteY5"/>
+              </a:cxn>
+              <a:cxn ang="0">
+                <a:pos x="connsiteX6" y="connsiteY6"/>
+              </a:cxn>
+            </a:cxnLst>
+            <a:rect l="l" t="t" r="r" b="b"/>
+            <a:pathLst>
+              <a:path w="864704" h="874644">
+                <a:moveTo>
+                  <a:pt x="0" y="516835"/>
+                </a:moveTo>
+                <a:lnTo>
+                  <a:pt x="258417" y="874644"/>
+                </a:lnTo>
+                <a:lnTo>
+                  <a:pt x="864704" y="69574"/>
+                </a:lnTo>
+                <a:lnTo>
+                  <a:pt x="785191" y="0"/>
+                </a:lnTo>
+                <a:lnTo>
+                  <a:pt x="327991" y="606287"/>
+                </a:lnTo>
+                <a:lnTo>
+                  <a:pt x="218660" y="427383"/>
+                </a:lnTo>
+                <a:lnTo>
+                  <a:pt x="0" y="516835"/>
+                </a:lnTo>
+                <a:close/>
+              </a:path>
+            </a:pathLst>
+          </a:custGeom>
+          <a:solidFill>
+            <a:srgbClr val="FF0000"/>
+          </a:solidFill>
+        </p:spPr>
+        <p:style>
+          <a:lnRef idx="2">
+            <a:schemeClr val="accent1">
+              <a:shade val="50000"/>
+            </a:schemeClr>
+          </a:lnRef>
+          <a:fillRef idx="1">
+            <a:schemeClr val="accent1"/>
+          </a:fillRef>
+          <a:effectRef idx="0">
+            <a:schemeClr val="accent1"/>
+          </a:effectRef>
+          <a:fontRef idx="minor">
+            <a:schemeClr val="lt1"/>
+          </a:fontRef>
+        </p:style>
+        <p:txBody>
+          <a:bodyPr rtlCol="0" anchor="ctr"/>
+          <a:lstStyle/>
+          <a:p>
+            <a:pPr algn="ctr"/>
+            <a:endParaRPr lang="zh-TW" altLang="en-US"/>
+          </a:p>
+        </p:txBody>
+      </p:sp>
     </p:spTree>
   </p:cSld>
   <p:clrMapOvr>
@@ -4659,39 +5248,9 @@
           </a:p>
         </p:txBody>
       </p:sp>
-      <p:sp>
-        <p:nvSpPr>
-          <p:cNvPr id="8" name="文字方塊 7"/>
-          <p:cNvSpPr txBox="1"/>
-          <p:nvPr/>
-        </p:nvSpPr>
-        <p:spPr>
-          <a:xfrm>
-            <a:off x="4355976" y="4797152"/>
-            <a:ext cx="4536504" cy="1200329"/>
-          </a:xfrm>
-          <a:prstGeom prst="rect">
-            <a:avLst/>
-          </a:prstGeom>
-          <a:noFill/>
-        </p:spPr>
-        <p:txBody>
-          <a:bodyPr wrap="square" rtlCol="0">
-            <a:spAutoFit/>
-          </a:bodyPr>
-          <a:lstStyle/>
-          <a:p>
-            <a:r>
-              <a:rPr lang="zh-TW" altLang="en-US" sz="3600" dirty="0" smtClean="0"/>
-              <a:t>點擊重新開始恢復初始畫面</a:t>
-            </a:r>
-            <a:endParaRPr lang="en-US" altLang="zh-TW" sz="3600" dirty="0" smtClean="0"/>
-          </a:p>
-        </p:txBody>
-      </p:sp>
       <p:pic>
         <p:nvPicPr>
-          <p:cNvPr id="5122" name="Picture 2"/>
+          <p:cNvPr id="9" name="Picture 4"/>
           <p:cNvPicPr>
             <a:picLocks noChangeAspect="1" noChangeArrowheads="1"/>
           </p:cNvPicPr>
@@ -4706,8 +5265,8 @@
         </p:blipFill>
         <p:spPr bwMode="auto">
           <a:xfrm>
-            <a:off x="179512" y="1412776"/>
-            <a:ext cx="3986559" cy="4464496"/>
+            <a:off x="107504" y="1484784"/>
+            <a:ext cx="4375150" cy="4927600"/>
           </a:xfrm>
           <a:prstGeom prst="rect">
             <a:avLst/>
@@ -4721,9 +5280,119 @@
           </a:ln>
         </p:spPr>
       </p:pic>
+      <p:sp>
+        <p:nvSpPr>
+          <p:cNvPr id="10" name="手繪多邊形 9"/>
+          <p:cNvSpPr/>
+          <p:nvPr/>
+        </p:nvSpPr>
+        <p:spPr>
+          <a:xfrm>
+            <a:off x="3203848" y="3717032"/>
+            <a:ext cx="864704" cy="874644"/>
+          </a:xfrm>
+          <a:custGeom>
+            <a:avLst/>
+            <a:gdLst>
+              <a:gd name="connsiteX0" fmla="*/ 0 w 864704"/>
+              <a:gd name="connsiteY0" fmla="*/ 516835 h 874644"/>
+              <a:gd name="connsiteX1" fmla="*/ 258417 w 864704"/>
+              <a:gd name="connsiteY1" fmla="*/ 874644 h 874644"/>
+              <a:gd name="connsiteX2" fmla="*/ 864704 w 864704"/>
+              <a:gd name="connsiteY2" fmla="*/ 69574 h 874644"/>
+              <a:gd name="connsiteX3" fmla="*/ 785191 w 864704"/>
+              <a:gd name="connsiteY3" fmla="*/ 0 h 874644"/>
+              <a:gd name="connsiteX4" fmla="*/ 327991 w 864704"/>
+              <a:gd name="connsiteY4" fmla="*/ 606287 h 874644"/>
+              <a:gd name="connsiteX5" fmla="*/ 218660 w 864704"/>
+              <a:gd name="connsiteY5" fmla="*/ 427383 h 874644"/>
+              <a:gd name="connsiteX6" fmla="*/ 0 w 864704"/>
+              <a:gd name="connsiteY6" fmla="*/ 516835 h 874644"/>
+            </a:gdLst>
+            <a:ahLst/>
+            <a:cxnLst>
+              <a:cxn ang="0">
+                <a:pos x="connsiteX0" y="connsiteY0"/>
+              </a:cxn>
+              <a:cxn ang="0">
+                <a:pos x="connsiteX1" y="connsiteY1"/>
+              </a:cxn>
+              <a:cxn ang="0">
+                <a:pos x="connsiteX2" y="connsiteY2"/>
+              </a:cxn>
+              <a:cxn ang="0">
+                <a:pos x="connsiteX3" y="connsiteY3"/>
+              </a:cxn>
+              <a:cxn ang="0">
+                <a:pos x="connsiteX4" y="connsiteY4"/>
+              </a:cxn>
+              <a:cxn ang="0">
+                <a:pos x="connsiteX5" y="connsiteY5"/>
+              </a:cxn>
+              <a:cxn ang="0">
+                <a:pos x="connsiteX6" y="connsiteY6"/>
+              </a:cxn>
+            </a:cxnLst>
+            <a:rect l="l" t="t" r="r" b="b"/>
+            <a:pathLst>
+              <a:path w="864704" h="874644">
+                <a:moveTo>
+                  <a:pt x="0" y="516835"/>
+                </a:moveTo>
+                <a:lnTo>
+                  <a:pt x="258417" y="874644"/>
+                </a:lnTo>
+                <a:lnTo>
+                  <a:pt x="864704" y="69574"/>
+                </a:lnTo>
+                <a:lnTo>
+                  <a:pt x="785191" y="0"/>
+                </a:lnTo>
+                <a:lnTo>
+                  <a:pt x="327991" y="606287"/>
+                </a:lnTo>
+                <a:lnTo>
+                  <a:pt x="218660" y="427383"/>
+                </a:lnTo>
+                <a:lnTo>
+                  <a:pt x="0" y="516835"/>
+                </a:lnTo>
+                <a:close/>
+              </a:path>
+            </a:pathLst>
+          </a:custGeom>
+          <a:solidFill>
+            <a:srgbClr val="FF0000"/>
+          </a:solidFill>
+        </p:spPr>
+        <p:style>
+          <a:lnRef idx="2">
+            <a:schemeClr val="accent1">
+              <a:shade val="50000"/>
+            </a:schemeClr>
+          </a:lnRef>
+          <a:fillRef idx="1">
+            <a:schemeClr val="accent1"/>
+          </a:fillRef>
+          <a:effectRef idx="0">
+            <a:schemeClr val="accent1"/>
+          </a:effectRef>
+          <a:fontRef idx="minor">
+            <a:schemeClr val="lt1"/>
+          </a:fontRef>
+        </p:style>
+        <p:txBody>
+          <a:bodyPr rtlCol="0" anchor="ctr"/>
+          <a:lstStyle/>
+          <a:p>
+            <a:pPr algn="ctr"/>
+            <a:endParaRPr lang="zh-TW" altLang="en-US"/>
+          </a:p>
+        </p:txBody>
+      </p:sp>
       <p:pic>
         <p:nvPicPr>
-          <p:cNvPr id="5123" name="Picture 3"/>
+          <p:cNvPr id="3077" name="Picture 5"/>
           <p:cNvPicPr>
             <a:picLocks noChangeAspect="1" noChangeArrowheads="1"/>
           </p:cNvPicPr>
@@ -4738,8 +5407,8 @@
         </p:blipFill>
         <p:spPr bwMode="auto">
           <a:xfrm>
-            <a:off x="4860032" y="548680"/>
-            <a:ext cx="3581127" cy="3981884"/>
+            <a:off x="4572000" y="1484784"/>
+            <a:ext cx="4392488" cy="4917537"/>
           </a:xfrm>
           <a:prstGeom prst="rect">
             <a:avLst/>
@@ -4753,6 +5422,245 @@
           </a:ln>
         </p:spPr>
       </p:pic>
+      <p:sp>
+        <p:nvSpPr>
+          <p:cNvPr id="12" name="向左箭號 11"/>
+          <p:cNvSpPr/>
+          <p:nvPr/>
+        </p:nvSpPr>
+        <p:spPr>
+          <a:xfrm>
+            <a:off x="8244408" y="2564904"/>
+            <a:ext cx="792088" cy="504056"/>
+          </a:xfrm>
+          <a:prstGeom prst="leftArrow">
+            <a:avLst/>
+          </a:prstGeom>
+          <a:solidFill>
+            <a:schemeClr val="tx1"/>
+          </a:solidFill>
+        </p:spPr>
+        <p:style>
+          <a:lnRef idx="2">
+            <a:schemeClr val="accent1">
+              <a:shade val="50000"/>
+            </a:schemeClr>
+          </a:lnRef>
+          <a:fillRef idx="1">
+            <a:schemeClr val="accent1"/>
+          </a:fillRef>
+          <a:effectRef idx="0">
+            <a:schemeClr val="accent1"/>
+          </a:effectRef>
+          <a:fontRef idx="minor">
+            <a:schemeClr val="lt1"/>
+          </a:fontRef>
+        </p:style>
+        <p:txBody>
+          <a:bodyPr rtlCol="0" anchor="ctr"/>
+          <a:lstStyle/>
+          <a:p>
+            <a:pPr algn="ctr"/>
+            <a:endParaRPr lang="zh-TW" altLang="en-US"/>
+          </a:p>
+        </p:txBody>
+      </p:sp>
+      <p:sp>
+        <p:nvSpPr>
+          <p:cNvPr id="13" name="向左箭號 12"/>
+          <p:cNvSpPr/>
+          <p:nvPr/>
+        </p:nvSpPr>
+        <p:spPr>
+          <a:xfrm>
+            <a:off x="8244408" y="5517232"/>
+            <a:ext cx="792088" cy="504056"/>
+          </a:xfrm>
+          <a:prstGeom prst="leftArrow">
+            <a:avLst/>
+          </a:prstGeom>
+          <a:solidFill>
+            <a:schemeClr val="tx1"/>
+          </a:solidFill>
+        </p:spPr>
+        <p:style>
+          <a:lnRef idx="2">
+            <a:schemeClr val="accent1">
+              <a:shade val="50000"/>
+            </a:schemeClr>
+          </a:lnRef>
+          <a:fillRef idx="1">
+            <a:schemeClr val="accent1"/>
+          </a:fillRef>
+          <a:effectRef idx="0">
+            <a:schemeClr val="accent1"/>
+          </a:effectRef>
+          <a:fontRef idx="minor">
+            <a:schemeClr val="lt1"/>
+          </a:fontRef>
+        </p:style>
+        <p:txBody>
+          <a:bodyPr rtlCol="0" anchor="ctr"/>
+          <a:lstStyle/>
+          <a:p>
+            <a:pPr algn="ctr"/>
+            <a:endParaRPr lang="zh-TW" altLang="en-US"/>
+          </a:p>
+        </p:txBody>
+      </p:sp>
+      <p:sp>
+        <p:nvSpPr>
+          <p:cNvPr id="14" name="向下箭號 13"/>
+          <p:cNvSpPr/>
+          <p:nvPr/>
+        </p:nvSpPr>
+        <p:spPr>
+          <a:xfrm>
+            <a:off x="6516216" y="3573016"/>
+            <a:ext cx="576064" cy="720080"/>
+          </a:xfrm>
+          <a:prstGeom prst="downArrow">
+            <a:avLst/>
+          </a:prstGeom>
+          <a:solidFill>
+            <a:schemeClr val="bg1"/>
+          </a:solidFill>
+        </p:spPr>
+        <p:style>
+          <a:lnRef idx="2">
+            <a:schemeClr val="accent1">
+              <a:shade val="50000"/>
+            </a:schemeClr>
+          </a:lnRef>
+          <a:fillRef idx="1">
+            <a:schemeClr val="accent1"/>
+          </a:fillRef>
+          <a:effectRef idx="0">
+            <a:schemeClr val="accent1"/>
+          </a:effectRef>
+          <a:fontRef idx="minor">
+            <a:schemeClr val="lt1"/>
+          </a:fontRef>
+        </p:style>
+        <p:txBody>
+          <a:bodyPr rtlCol="0" anchor="ctr"/>
+          <a:lstStyle/>
+          <a:p>
+            <a:pPr algn="ctr"/>
+            <a:endParaRPr lang="zh-TW" altLang="en-US"/>
+          </a:p>
+        </p:txBody>
+      </p:sp>
+      <p:sp>
+        <p:nvSpPr>
+          <p:cNvPr id="15" name="手繪多邊形 14"/>
+          <p:cNvSpPr/>
+          <p:nvPr/>
+        </p:nvSpPr>
+        <p:spPr>
+          <a:xfrm>
+            <a:off x="7668344" y="3645024"/>
+            <a:ext cx="720080" cy="648072"/>
+          </a:xfrm>
+          <a:custGeom>
+            <a:avLst/>
+            <a:gdLst>
+              <a:gd name="connsiteX0" fmla="*/ 0 w 864704"/>
+              <a:gd name="connsiteY0" fmla="*/ 516835 h 874644"/>
+              <a:gd name="connsiteX1" fmla="*/ 258417 w 864704"/>
+              <a:gd name="connsiteY1" fmla="*/ 874644 h 874644"/>
+              <a:gd name="connsiteX2" fmla="*/ 864704 w 864704"/>
+              <a:gd name="connsiteY2" fmla="*/ 69574 h 874644"/>
+              <a:gd name="connsiteX3" fmla="*/ 785191 w 864704"/>
+              <a:gd name="connsiteY3" fmla="*/ 0 h 874644"/>
+              <a:gd name="connsiteX4" fmla="*/ 327991 w 864704"/>
+              <a:gd name="connsiteY4" fmla="*/ 606287 h 874644"/>
+              <a:gd name="connsiteX5" fmla="*/ 218660 w 864704"/>
+              <a:gd name="connsiteY5" fmla="*/ 427383 h 874644"/>
+              <a:gd name="connsiteX6" fmla="*/ 0 w 864704"/>
+              <a:gd name="connsiteY6" fmla="*/ 516835 h 874644"/>
+            </a:gdLst>
+            <a:ahLst/>
+            <a:cxnLst>
+              <a:cxn ang="0">
+                <a:pos x="connsiteX0" y="connsiteY0"/>
+              </a:cxn>
+              <a:cxn ang="0">
+                <a:pos x="connsiteX1" y="connsiteY1"/>
+              </a:cxn>
+              <a:cxn ang="0">
+                <a:pos x="connsiteX2" y="connsiteY2"/>
+              </a:cxn>
+              <a:cxn ang="0">
+                <a:pos x="connsiteX3" y="connsiteY3"/>
+              </a:cxn>
+              <a:cxn ang="0">
+                <a:pos x="connsiteX4" y="connsiteY4"/>
+              </a:cxn>
+              <a:cxn ang="0">
+                <a:pos x="connsiteX5" y="connsiteY5"/>
+              </a:cxn>
+              <a:cxn ang="0">
+                <a:pos x="connsiteX6" y="connsiteY6"/>
+              </a:cxn>
+            </a:cxnLst>
+            <a:rect l="l" t="t" r="r" b="b"/>
+            <a:pathLst>
+              <a:path w="864704" h="874644">
+                <a:moveTo>
+                  <a:pt x="0" y="516835"/>
+                </a:moveTo>
+                <a:lnTo>
+                  <a:pt x="258417" y="874644"/>
+                </a:lnTo>
+                <a:lnTo>
+                  <a:pt x="864704" y="69574"/>
+                </a:lnTo>
+                <a:lnTo>
+                  <a:pt x="785191" y="0"/>
+                </a:lnTo>
+                <a:lnTo>
+                  <a:pt x="327991" y="606287"/>
+                </a:lnTo>
+                <a:lnTo>
+                  <a:pt x="218660" y="427383"/>
+                </a:lnTo>
+                <a:lnTo>
+                  <a:pt x="0" y="516835"/>
+                </a:lnTo>
+                <a:close/>
+              </a:path>
+            </a:pathLst>
+          </a:custGeom>
+          <a:solidFill>
+            <a:srgbClr val="FF0000"/>
+          </a:solidFill>
+        </p:spPr>
+        <p:style>
+          <a:lnRef idx="2">
+            <a:schemeClr val="accent1">
+              <a:shade val="50000"/>
+            </a:schemeClr>
+          </a:lnRef>
+          <a:fillRef idx="1">
+            <a:schemeClr val="accent1"/>
+          </a:fillRef>
+          <a:effectRef idx="0">
+            <a:schemeClr val="accent1"/>
+          </a:effectRef>
+          <a:fontRef idx="minor">
+            <a:schemeClr val="lt1"/>
+          </a:fontRef>
+        </p:style>
+        <p:txBody>
+          <a:bodyPr rtlCol="0" anchor="ctr"/>
+          <a:lstStyle/>
+          <a:p>
+            <a:pPr algn="ctr"/>
+            <a:endParaRPr lang="zh-TW" altLang="en-US"/>
+          </a:p>
+        </p:txBody>
+      </p:sp>
     </p:spTree>
   </p:cSld>
   <p:clrMapOvr>
@@ -4797,8 +5705,8 @@
         </p:nvSpPr>
         <p:spPr>
           <a:xfrm>
-            <a:off x="1619672" y="1988840"/>
-            <a:ext cx="5832648" cy="2376264"/>
+            <a:off x="1187624" y="2132856"/>
+            <a:ext cx="6480720" cy="2376264"/>
           </a:xfrm>
         </p:spPr>
         <p:txBody>
@@ -4821,7 +5729,37 @@
                   </a:outerShdw>
                 </a:effectLst>
               </a:rPr>
-              <a:t>成果畫面</a:t>
+              <a:t>遊戲</a:t>
+            </a:r>
+            <a:r>
+              <a:rPr lang="zh-TW" altLang="en-US" sz="7200" b="1" spc="600" dirty="0" smtClean="0">
+                <a:solidFill>
+                  <a:srgbClr val="00B0F0"/>
+                </a:solidFill>
+                <a:effectLst>
+                  <a:outerShdw blurRad="38100" dist="38100" dir="2700000" algn="tl">
+                    <a:srgbClr val="000000">
+                      <a:alpha val="43137"/>
+                    </a:srgbClr>
+                  </a:outerShdw>
+                </a:effectLst>
+              </a:rPr>
+              <a:t>成果</a:t>
+            </a:r>
+            <a:r>
+              <a:rPr lang="zh-TW" altLang="en-US" sz="7200" b="1" spc="600" dirty="0" smtClean="0">
+                <a:solidFill>
+                  <a:srgbClr val="00B0F0"/>
+                </a:solidFill>
+                <a:effectLst>
+                  <a:outerShdw blurRad="38100" dist="38100" dir="2700000" algn="tl">
+                    <a:srgbClr val="000000">
+                      <a:alpha val="43137"/>
+                    </a:srgbClr>
+                  </a:outerShdw>
+                </a:effectLst>
+              </a:rPr>
+              <a:t>畫面</a:t>
             </a:r>
             <a:endParaRPr lang="zh-TW" altLang="en-US" sz="7200" b="1" spc="600" dirty="0">
               <a:solidFill>
